--- a/計算機範例/計算機.pptx
+++ b/計算機範例/計算機.pptx
@@ -5174,30 +5174,14 @@
           <a:p>
             <a:r>
               <a:rPr lang="zh-TW" altLang="en-US" dirty="0" smtClean="0"/>
-              <a:t>將前一</a:t>
-            </a:r>
-            <a:r>
-              <a:rPr lang="zh-TW" altLang="en-US" dirty="0" smtClean="0"/>
-              <a:t>題</a:t>
-            </a:r>
-            <a:r>
-              <a:rPr lang="zh-TW" altLang="en-US" dirty="0" smtClean="0"/>
-              <a:t>繼續做成一個計算機</a:t>
+              <a:t>將前一題繼續做成一個計算機</a:t>
             </a:r>
             <a:endParaRPr lang="en-US" altLang="zh-TW" dirty="0" smtClean="0"/>
           </a:p>
           <a:p>
             <a:r>
               <a:rPr lang="zh-TW" altLang="en-US" dirty="0" smtClean="0"/>
-              <a:t>具備簡單</a:t>
-            </a:r>
-            <a:r>
-              <a:rPr lang="zh-TW" altLang="en-US" dirty="0" smtClean="0"/>
-              <a:t>的整數</a:t>
-            </a:r>
-            <a:r>
-              <a:rPr lang="zh-TW" altLang="en-US" dirty="0" smtClean="0"/>
-              <a:t>運算功能</a:t>
+              <a:t>具備簡單的整數運算功能</a:t>
             </a:r>
             <a:r>
               <a:rPr lang="en-US" altLang="zh-TW" dirty="0" smtClean="0"/>
@@ -5383,11 +5367,7 @@
             </a:r>
             <a:r>
               <a:rPr lang="zh-TW" altLang="en-US" dirty="0" smtClean="0"/>
-              <a:t>作</a:t>
-            </a:r>
-            <a:r>
-              <a:rPr lang="zh-TW" altLang="en-US" dirty="0" smtClean="0"/>
-              <a:t>無窮迴圈</a:t>
+              <a:t>作無窮迴圈</a:t>
             </a:r>
             <a:endParaRPr lang="zh-TW" altLang="en-US" dirty="0"/>
           </a:p>
@@ -5693,11 +5673,7 @@
           <a:p>
             <a:r>
               <a:rPr lang="zh-TW" altLang="en-US" dirty="0" smtClean="0"/>
-              <a:t>全</a:t>
-            </a:r>
-            <a:r>
-              <a:rPr lang="zh-TW" altLang="en-US" dirty="0" smtClean="0"/>
-              <a:t>域變數屬於程式中的所有函式</a:t>
+              <a:t>全域變數屬於程式中的所有函式</a:t>
             </a:r>
             <a:endParaRPr lang="zh-TW" altLang="en-US" dirty="0"/>
           </a:p>
@@ -5752,11 +5728,7 @@
             </a:r>
             <a:r>
               <a:rPr lang="en-US" altLang="zh-TW" dirty="0" smtClean="0"/>
-              <a:t> </a:t>
-            </a:r>
-            <a:r>
-              <a:rPr lang="en-US" altLang="zh-TW" dirty="0" smtClean="0"/>
-              <a:t>num1,num2;</a:t>
+              <a:t> num1,num2;</a:t>
             </a:r>
           </a:p>
           <a:p>
@@ -5786,11 +5758,7 @@
             </a:r>
             <a:r>
               <a:rPr lang="en-US" altLang="zh-TW" dirty="0" err="1" smtClean="0"/>
-              <a:t>i</a:t>
-            </a:r>
-            <a:r>
-              <a:rPr lang="en-US" altLang="zh-TW" dirty="0" err="1" smtClean="0"/>
-              <a:t>nt</a:t>
+              <a:t>int</a:t>
             </a:r>
             <a:r>
               <a:rPr lang="en-US" altLang="zh-TW" dirty="0" smtClean="0"/>
@@ -5800,11 +5768,7 @@
           <a:p>
             <a:r>
               <a:rPr lang="en-US" altLang="zh-TW" dirty="0" smtClean="0"/>
-              <a:t> </a:t>
-            </a:r>
-            <a:r>
-              <a:rPr lang="en-US" altLang="zh-TW" dirty="0" smtClean="0"/>
-              <a:t>   ….</a:t>
+              <a:t>    ….</a:t>
             </a:r>
           </a:p>
           <a:p>
@@ -5812,7 +5776,6 @@
               <a:rPr lang="en-US" altLang="zh-TW" dirty="0" smtClean="0"/>
               <a:t>}</a:t>
             </a:r>
-            <a:endParaRPr lang="en-US" altLang="zh-TW" dirty="0" smtClean="0"/>
           </a:p>
           <a:p>
             <a:endParaRPr lang="zh-TW" altLang="en-US" dirty="0"/>
@@ -5861,11 +5824,7 @@
           <a:p>
             <a:r>
               <a:rPr lang="en-US" altLang="zh-TW" b="1" dirty="0" smtClean="0"/>
-              <a:t>functional </a:t>
-            </a:r>
-            <a:r>
-              <a:rPr lang="en-US" altLang="zh-TW" b="1" dirty="0" smtClean="0"/>
-              <a:t>programming</a:t>
+              <a:t>functional programming</a:t>
             </a:r>
             <a:endParaRPr lang="zh-TW" altLang="en-US" dirty="0"/>
           </a:p>
@@ -5894,15 +5853,7 @@
           <a:p>
             <a:r>
               <a:rPr lang="zh-TW" altLang="en-US" dirty="0" smtClean="0"/>
-              <a:t>把複雜的問題分解，以</a:t>
-            </a:r>
-            <a:r>
-              <a:rPr lang="zh-TW" altLang="en-US" dirty="0" smtClean="0"/>
-              <a:t>函式為單元進行</a:t>
-            </a:r>
-            <a:r>
-              <a:rPr lang="zh-TW" altLang="en-US" dirty="0" smtClean="0"/>
-              <a:t>設計</a:t>
+              <a:t>把複雜的問題分解，以函式為單元進行設計</a:t>
             </a:r>
             <a:endParaRPr lang="en-US" altLang="zh-TW" dirty="0" smtClean="0"/>
           </a:p>
@@ -5920,11 +5871,7 @@
             </a:r>
             <a:r>
               <a:rPr lang="en-US" altLang="zh-TW" dirty="0" smtClean="0"/>
-              <a:t> num</a:t>
-            </a:r>
-            <a:r>
-              <a:rPr lang="en-US" altLang="zh-TW" dirty="0" smtClean="0"/>
-              <a:t>);</a:t>
+              <a:t> num);</a:t>
             </a:r>
           </a:p>
           <a:p>
@@ -5950,21 +5897,13 @@
             </a:r>
             <a:r>
               <a:rPr lang="en-US" altLang="zh-TW" dirty="0" smtClean="0"/>
-              <a:t> n2</a:t>
-            </a:r>
-            <a:r>
-              <a:rPr lang="en-US" altLang="zh-TW" dirty="0" smtClean="0"/>
-              <a:t>);</a:t>
-            </a:r>
-          </a:p>
-          <a:p>
-            <a:r>
-              <a:rPr lang="en-US" altLang="zh-TW" dirty="0" smtClean="0"/>
-              <a:t>void keyboard</a:t>
-            </a:r>
-            <a:r>
-              <a:rPr lang="en-US" altLang="zh-TW" dirty="0" smtClean="0"/>
-              <a:t>();</a:t>
+              <a:t> n2);</a:t>
+            </a:r>
+          </a:p>
+          <a:p>
+            <a:r>
+              <a:rPr lang="en-US" altLang="zh-TW" dirty="0" smtClean="0"/>
+              <a:t>void keyboard();</a:t>
             </a:r>
           </a:p>
           <a:p>
@@ -6072,21 +6011,13 @@
           <a:p>
             <a:r>
               <a:rPr lang="en-US" altLang="zh-TW" dirty="0" smtClean="0"/>
-              <a:t>      case '0' ~ case '1': </a:t>
-            </a:r>
-            <a:r>
-              <a:rPr lang="en-US" altLang="zh-TW" dirty="0" smtClean="0"/>
-              <a:t>{</a:t>
-            </a:r>
-          </a:p>
-          <a:p>
-            <a:r>
-              <a:rPr lang="zh-TW" altLang="en-US" dirty="0" smtClean="0"/>
-              <a:t> </a:t>
-            </a:r>
-            <a:r>
-              <a:rPr lang="zh-TW" altLang="en-US" dirty="0" smtClean="0"/>
-              <a:t>         </a:t>
+              <a:t>      case '0' ~ case '1': {</a:t>
+            </a:r>
+          </a:p>
+          <a:p>
+            <a:r>
+              <a:rPr lang="zh-TW" altLang="en-US" dirty="0" smtClean="0"/>
+              <a:t>          </a:t>
             </a:r>
             <a:r>
               <a:rPr lang="en-US" altLang="zh-TW" dirty="0" smtClean="0"/>
@@ -6097,11 +6028,7 @@
           <a:p>
             <a:r>
               <a:rPr lang="en-US" altLang="zh-TW" dirty="0" smtClean="0"/>
-              <a:t>        break</a:t>
-            </a:r>
-            <a:r>
-              <a:rPr lang="en-US" altLang="zh-TW" dirty="0" smtClean="0"/>
-              <a:t>;</a:t>
+              <a:t>        break;</a:t>
             </a:r>
           </a:p>
           <a:p>
@@ -6147,21 +6074,13 @@
           <a:p>
             <a:r>
               <a:rPr lang="en-US" altLang="zh-TW" dirty="0" smtClean="0"/>
-              <a:t>      case </a:t>
-            </a:r>
-            <a:r>
-              <a:rPr lang="en-US" altLang="zh-TW" dirty="0" smtClean="0"/>
-              <a:t>'/':{</a:t>
-            </a:r>
-          </a:p>
-          <a:p>
-            <a:r>
-              <a:rPr lang="zh-TW" altLang="en-US" dirty="0" smtClean="0"/>
-              <a:t> </a:t>
-            </a:r>
-            <a:r>
-              <a:rPr lang="zh-TW" altLang="en-US" dirty="0" smtClean="0"/>
-              <a:t>         </a:t>
+              <a:t>      case '/':{</a:t>
+            </a:r>
+          </a:p>
+          <a:p>
+            <a:r>
+              <a:rPr lang="zh-TW" altLang="en-US" dirty="0" smtClean="0"/>
+              <a:t>          </a:t>
             </a:r>
             <a:r>
               <a:rPr lang="en-US" altLang="zh-TW" dirty="0" smtClean="0"/>
@@ -6172,21 +6091,13 @@
           <a:p>
             <a:r>
               <a:rPr lang="en-US" altLang="zh-TW" dirty="0" smtClean="0"/>
-              <a:t>        break</a:t>
-            </a:r>
-            <a:r>
-              <a:rPr lang="en-US" altLang="zh-TW" dirty="0" smtClean="0"/>
-              <a:t>;</a:t>
-            </a:r>
-          </a:p>
-          <a:p>
-            <a:r>
-              <a:rPr lang="zh-TW" altLang="en-US" dirty="0" smtClean="0"/>
-              <a:t> </a:t>
-            </a:r>
-            <a:r>
-              <a:rPr lang="zh-TW" altLang="en-US" dirty="0" smtClean="0"/>
-              <a:t>     </a:t>
+              <a:t>        break;</a:t>
+            </a:r>
+          </a:p>
+          <a:p>
+            <a:r>
+              <a:rPr lang="zh-TW" altLang="en-US" dirty="0" smtClean="0"/>
+              <a:t>      </a:t>
             </a:r>
             <a:r>
               <a:rPr lang="en-US" altLang="zh-TW" dirty="0" smtClean="0"/>
@@ -6334,11 +6245,7 @@
             </a:r>
             <a:r>
               <a:rPr lang="zh-TW" altLang="en-US" dirty="0" smtClean="0"/>
-              <a:t> </a:t>
-            </a:r>
-            <a:r>
-              <a:rPr lang="zh-TW" altLang="en-US" dirty="0" smtClean="0"/>
-              <a:t>得到</a:t>
+              <a:t> 得到</a:t>
             </a:r>
             <a:r>
               <a:rPr lang="en-US" altLang="zh-TW" dirty="0" smtClean="0"/>
@@ -6354,19 +6261,7 @@
           <a:p>
             <a:r>
               <a:rPr lang="en-US" altLang="zh-TW" dirty="0" smtClean="0"/>
-              <a:t>num </a:t>
-            </a:r>
-            <a:r>
-              <a:rPr lang="en-US" altLang="zh-TW" dirty="0" smtClean="0"/>
-              <a:t>= </a:t>
-            </a:r>
-            <a:r>
-              <a:rPr lang="en-US" altLang="zh-TW" dirty="0" smtClean="0"/>
-              <a:t>num*10 </a:t>
-            </a:r>
-            <a:r>
-              <a:rPr lang="en-US" altLang="zh-TW" dirty="0" smtClean="0"/>
-              <a:t>+ </a:t>
+              <a:t>num = num*10 + </a:t>
             </a:r>
             <a:r>
               <a:rPr lang="en-US" altLang="zh-TW" dirty="0" smtClean="0">
@@ -6374,15 +6269,7 @@
                   <a:srgbClr val="FF0000"/>
                 </a:solidFill>
               </a:rPr>
-              <a:t>key - '0</a:t>
-            </a:r>
-            <a:r>
-              <a:rPr lang="en-US" altLang="zh-TW" dirty="0" smtClean="0">
-                <a:solidFill>
-                  <a:srgbClr val="FF0000"/>
-                </a:solidFill>
-              </a:rPr>
-              <a:t>'</a:t>
+              <a:t>key - '0'</a:t>
             </a:r>
             <a:r>
               <a:rPr lang="en-US" altLang="zh-TW" dirty="0" smtClean="0"/>
@@ -6392,11 +6279,7 @@
           <a:p>
             <a:r>
               <a:rPr lang="zh-TW" altLang="en-US" dirty="0" smtClean="0"/>
-              <a:t>紅字</a:t>
-            </a:r>
-            <a:r>
-              <a:rPr lang="zh-TW" altLang="en-US" dirty="0" smtClean="0"/>
-              <a:t>部分 </a:t>
+              <a:t>紅字部分 </a:t>
             </a:r>
             <a:r>
               <a:rPr lang="zh-TW" altLang="en-US" dirty="0" smtClean="0">
@@ -6420,15 +6303,7 @@
                   <a:srgbClr val="FF0000"/>
                 </a:solidFill>
               </a:rPr>
-              <a:t>轉</a:t>
-            </a:r>
-            <a:r>
-              <a:rPr lang="zh-TW" altLang="en-US" dirty="0" smtClean="0">
-                <a:solidFill>
-                  <a:srgbClr val="FF0000"/>
-                </a:solidFill>
-              </a:rPr>
-              <a:t>整數</a:t>
+              <a:t>轉整數</a:t>
             </a:r>
             <a:endParaRPr lang="zh-TW" altLang="en-US" dirty="0">
               <a:solidFill>
@@ -6523,29 +6398,17 @@
             </a:r>
             <a:r>
               <a:rPr lang="en-US" altLang="zh-TW" dirty="0" smtClean="0"/>
-              <a:t> n2</a:t>
-            </a:r>
-            <a:r>
-              <a:rPr lang="en-US" altLang="zh-TW" dirty="0" smtClean="0"/>
-              <a:t>){</a:t>
-            </a:r>
-          </a:p>
-          <a:p>
-            <a:r>
-              <a:rPr lang="zh-TW" altLang="en-US" dirty="0" smtClean="0"/>
-              <a:t> </a:t>
-            </a:r>
-            <a:r>
-              <a:rPr lang="zh-TW" altLang="en-US" dirty="0" smtClean="0"/>
-              <a:t> </a:t>
-            </a:r>
-            <a:r>
-              <a:rPr lang="en-US" altLang="zh-TW" dirty="0" smtClean="0"/>
-              <a:t>switch </a:t>
-            </a:r>
-            <a:r>
-              <a:rPr lang="en-US" altLang="zh-TW" dirty="0" smtClean="0"/>
-              <a:t>(op) {</a:t>
+              <a:t> n2){</a:t>
+            </a:r>
+          </a:p>
+          <a:p>
+            <a:r>
+              <a:rPr lang="zh-TW" altLang="en-US" dirty="0" smtClean="0"/>
+              <a:t>  </a:t>
+            </a:r>
+            <a:r>
+              <a:rPr lang="en-US" altLang="zh-TW" dirty="0" smtClean="0"/>
+              <a:t>switch (op) {</a:t>
             </a:r>
           </a:p>
           <a:p>
@@ -6575,30 +6438,22 @@
           <a:p>
             <a:r>
               <a:rPr lang="en-US" altLang="zh-TW" dirty="0" smtClean="0"/>
-              <a:t>  </a:t>
-            </a:r>
+              <a:t>  }</a:t>
+            </a:r>
+          </a:p>
+          <a:p>
             <a:r>
               <a:rPr lang="en-US" altLang="zh-TW" dirty="0" smtClean="0"/>
               <a:t>}</a:t>
             </a:r>
           </a:p>
           <a:p>
-            <a:r>
-              <a:rPr lang="en-US" altLang="zh-TW" dirty="0" smtClean="0"/>
-              <a:t>}</a:t>
-            </a:r>
-          </a:p>
-          <a:p>
             <a:endParaRPr lang="en-US" altLang="zh-TW" dirty="0" smtClean="0"/>
           </a:p>
           <a:p>
             <a:r>
               <a:rPr lang="zh-TW" altLang="en-US" dirty="0" smtClean="0"/>
-              <a:t>請善</a:t>
-            </a:r>
-            <a:r>
-              <a:rPr lang="zh-TW" altLang="en-US" dirty="0" smtClean="0"/>
-              <a:t>用函式傳遞參數</a:t>
+              <a:t>請善用函式傳遞參數</a:t>
             </a:r>
             <a:endParaRPr lang="zh-TW" altLang="en-US" dirty="0"/>
           </a:p>
@@ -6738,11 +6593,7 @@
           <a:p>
             <a:r>
               <a:rPr lang="zh-TW" altLang="en-US" dirty="0" smtClean="0"/>
-              <a:t>存放於陣列中的資料</a:t>
-            </a:r>
-            <a:r>
-              <a:rPr lang="zh-TW" altLang="en-US" dirty="0" smtClean="0"/>
-              <a:t>要是</a:t>
+              <a:t>存放於陣列中的資料要是</a:t>
             </a:r>
             <a:r>
               <a:rPr lang="en-US" altLang="zh-TW" dirty="0" smtClean="0"/>
@@ -6829,11 +6680,7 @@
             </a:r>
             <a:r>
               <a:rPr lang="zh-TW" altLang="en-US" dirty="0" smtClean="0"/>
-              <a:t>函</a:t>
-            </a:r>
-            <a:r>
-              <a:rPr lang="zh-TW" altLang="en-US" dirty="0" smtClean="0"/>
-              <a:t>式</a:t>
+              <a:t>函式</a:t>
             </a:r>
             <a:endParaRPr lang="zh-TW" altLang="en-US" dirty="0"/>
           </a:p>
@@ -6856,7 +6703,21 @@
           <a:p>
             <a:r>
               <a:rPr lang="en-US" altLang="zh-TW" dirty="0" smtClean="0"/>
-              <a:t>ASA_7S00_set</a:t>
+              <a:t>ASA_7S00_set(</a:t>
+            </a:r>
+            <a:r>
+              <a:rPr lang="zh-TW" altLang="en-US" dirty="0" smtClean="0"/>
+              <a:t>旋鈕</a:t>
+            </a:r>
+            <a:r>
+              <a:rPr lang="en-US" altLang="zh-TW" dirty="0" smtClean="0"/>
+              <a:t>,200,0xff,0,data)</a:t>
+            </a:r>
+          </a:p>
+          <a:p>
+            <a:r>
+              <a:rPr lang="zh-TW" altLang="en-US" dirty="0" smtClean="0"/>
+              <a:t>設定顯示模式</a:t>
             </a:r>
             <a:r>
               <a:rPr lang="en-US" altLang="zh-TW" dirty="0" smtClean="0"/>
@@ -6864,41 +6725,40 @@
             </a:r>
             <a:r>
               <a:rPr lang="zh-TW" altLang="en-US" dirty="0" smtClean="0"/>
+              <a:t>是否閃爍</a:t>
+            </a:r>
+            <a:r>
+              <a:rPr lang="en-US" altLang="zh-TW" dirty="0" smtClean="0"/>
+              <a:t>&amp;</a:t>
+            </a:r>
+            <a:r>
+              <a:rPr lang="zh-TW" altLang="en-US" dirty="0" smtClean="0"/>
+              <a:t>是否顯示小數點</a:t>
+            </a:r>
+            <a:r>
+              <a:rPr lang="en-US" altLang="zh-TW" dirty="0" smtClean="0"/>
+              <a:t>)</a:t>
+            </a:r>
+          </a:p>
+          <a:p>
+            <a:endParaRPr lang="en-US" altLang="zh-TW" dirty="0" smtClean="0"/>
+          </a:p>
+          <a:p>
+            <a:r>
+              <a:rPr lang="en-US" altLang="zh-TW" dirty="0" smtClean="0"/>
+              <a:t>ASA_7S00_put(</a:t>
+            </a:r>
+            <a:r>
+              <a:rPr lang="zh-TW" altLang="en-US" dirty="0" smtClean="0"/>
               <a:t>旋鈕</a:t>
             </a:r>
             <a:r>
               <a:rPr lang="en-US" altLang="zh-TW" dirty="0" smtClean="0"/>
-              <a:t>,200,0xff,0,data)</a:t>
-            </a:r>
-          </a:p>
-          <a:p>
-            <a:r>
-              <a:rPr lang="zh-TW" altLang="en-US" dirty="0" smtClean="0"/>
-              <a:t>設定顯示</a:t>
-            </a:r>
-            <a:r>
-              <a:rPr lang="zh-TW" altLang="en-US" dirty="0" smtClean="0"/>
-              <a:t>模式</a:t>
-            </a:r>
-            <a:r>
-              <a:rPr lang="en-US" altLang="zh-TW" dirty="0" smtClean="0"/>
-              <a:t>(</a:t>
-            </a:r>
-            <a:r>
-              <a:rPr lang="zh-TW" altLang="en-US" dirty="0" smtClean="0"/>
-              <a:t>是否</a:t>
-            </a:r>
-            <a:r>
-              <a:rPr lang="zh-TW" altLang="en-US" dirty="0" smtClean="0"/>
-              <a:t>閃爍</a:t>
-            </a:r>
-            <a:r>
-              <a:rPr lang="en-US" altLang="zh-TW" dirty="0" smtClean="0"/>
-              <a:t>&amp;</a:t>
-            </a:r>
-            <a:r>
-              <a:rPr lang="zh-TW" altLang="en-US" dirty="0" smtClean="0"/>
-              <a:t>是否顯示小數點</a:t>
+              <a:t>,0,4,</a:t>
+            </a:r>
+            <a:r>
+              <a:rPr lang="zh-TW" altLang="en-US" dirty="0" smtClean="0"/>
+              <a:t>資料位置</a:t>
             </a:r>
             <a:r>
               <a:rPr lang="en-US" altLang="zh-TW" dirty="0" smtClean="0"/>
@@ -6906,38 +6766,9 @@
             </a:r>
           </a:p>
           <a:p>
-            <a:endParaRPr lang="en-US" altLang="zh-TW" dirty="0" smtClean="0"/>
-          </a:p>
-          <a:p>
-            <a:r>
-              <a:rPr lang="en-US" altLang="zh-TW" dirty="0" smtClean="0"/>
-              <a:t>ASA_7S00_put(</a:t>
-            </a:r>
-            <a:r>
-              <a:rPr lang="zh-TW" altLang="en-US" dirty="0" smtClean="0"/>
-              <a:t>旋鈕</a:t>
-            </a:r>
-            <a:r>
-              <a:rPr lang="en-US" altLang="zh-TW" dirty="0" smtClean="0"/>
-              <a:t>,0,4,</a:t>
-            </a:r>
-            <a:r>
-              <a:rPr lang="zh-TW" altLang="en-US" dirty="0" smtClean="0"/>
-              <a:t>資料位置</a:t>
-            </a:r>
-            <a:r>
-              <a:rPr lang="en-US" altLang="zh-TW" dirty="0" smtClean="0"/>
-              <a:t>)</a:t>
-            </a:r>
-          </a:p>
-          <a:p>
-            <a:r>
-              <a:rPr lang="zh-TW" altLang="en-US" dirty="0" smtClean="0"/>
-              <a:t>用</a:t>
-            </a:r>
-            <a:r>
-              <a:rPr lang="zh-TW" altLang="en-US" dirty="0" smtClean="0"/>
-              <a:t>一字元陣列存放要顯示的資料內容，並呼叫此函示來顯示在七節管上</a:t>
+            <a:r>
+              <a:rPr lang="zh-TW" altLang="en-US" dirty="0" smtClean="0"/>
+              <a:t>用一字元陣列存放要顯示的資料內容，並呼叫此函示來顯示在七節管上</a:t>
             </a:r>
             <a:endParaRPr lang="zh-TW" altLang="en-US" dirty="0"/>
           </a:p>
@@ -7002,6 +6833,28 @@
           <a:bodyPr/>
           <a:lstStyle/>
           <a:p>
+            <a:r>
+              <a:rPr lang="zh-TW" altLang="en-US" dirty="0" smtClean="0">
+                <a:hlinkClick r:id="rId2"/>
+              </a:rPr>
+              <a:t>範例程式</a:t>
+            </a:r>
+            <a:endParaRPr lang="en-US" altLang="zh-TW" dirty="0" smtClean="0"/>
+          </a:p>
+          <a:p>
+            <a:r>
+              <a:rPr lang="zh-TW" altLang="en-US" smtClean="0"/>
+              <a:t>歡迎幫忙抓蟲</a:t>
+            </a:r>
+            <a:endParaRPr lang="en-US" altLang="zh-TW" dirty="0" smtClean="0"/>
+          </a:p>
+          <a:p>
+            <a:endParaRPr lang="en-US" altLang="zh-TW" dirty="0" smtClean="0"/>
+          </a:p>
+          <a:p>
+            <a:endParaRPr lang="en-US" altLang="zh-TW" dirty="0" smtClean="0"/>
+          </a:p>
+          <a:p>
             <a:endParaRPr lang="en-US" altLang="zh-TW" dirty="0" smtClean="0"/>
           </a:p>
           <a:p>
@@ -7062,11 +6915,7 @@
             </a:r>
             <a:r>
               <a:rPr lang="zh-TW" altLang="en-US" dirty="0" smtClean="0"/>
-              <a:t>函式</a:t>
-            </a:r>
-            <a:r>
-              <a:rPr lang="zh-TW" altLang="en-US" dirty="0" smtClean="0"/>
-              <a:t>使用範例</a:t>
+              <a:t>函式使用範例</a:t>
             </a:r>
             <a:endParaRPr lang="zh-TW" altLang="en-US" dirty="0"/>
           </a:p>
@@ -7230,11 +7079,7 @@
             </a:r>
             <a:r>
               <a:rPr lang="zh-TW" altLang="en-US" dirty="0" smtClean="0"/>
-              <a:t>函</a:t>
-            </a:r>
-            <a:r>
-              <a:rPr lang="zh-TW" altLang="en-US" dirty="0" smtClean="0"/>
-              <a:t>式</a:t>
+              <a:t>函式</a:t>
             </a:r>
             <a:endParaRPr lang="zh-TW" altLang="en-US" dirty="0"/>
           </a:p>
@@ -7257,11 +7102,7 @@
           <a:p>
             <a:r>
               <a:rPr lang="en-US" altLang="zh-TW" dirty="0" smtClean="0"/>
-              <a:t>ASA_KB00_set</a:t>
-            </a:r>
-            <a:r>
-              <a:rPr lang="en-US" altLang="zh-TW" dirty="0" smtClean="0"/>
-              <a:t>(</a:t>
+              <a:t>ASA_KB00_set(</a:t>
             </a:r>
             <a:r>
               <a:rPr lang="zh-TW" altLang="en-US" dirty="0" smtClean="0"/>
@@ -7269,15 +7110,7 @@
             </a:r>
             <a:r>
               <a:rPr lang="en-US" altLang="zh-TW" dirty="0" smtClean="0"/>
-              <a:t>,</a:t>
-            </a:r>
-            <a:r>
-              <a:rPr lang="en-US" altLang="zh-TW" dirty="0" smtClean="0"/>
-              <a:t>200,0xff,0</a:t>
-            </a:r>
-            <a:r>
-              <a:rPr lang="en-US" altLang="zh-TW" dirty="0" smtClean="0"/>
-              <a:t>,</a:t>
+              <a:t>,200,0xff,0,</a:t>
             </a:r>
             <a:r>
               <a:rPr lang="zh-TW" altLang="en-US" dirty="0" smtClean="0"/>
@@ -7303,53 +7136,44 @@
               <a:rPr lang="en-US" altLang="zh-TW" dirty="0" smtClean="0"/>
               <a:t>);</a:t>
             </a:r>
+          </a:p>
+          <a:p>
+            <a:r>
+              <a:rPr lang="en-US" altLang="zh-TW" dirty="0" smtClean="0"/>
+              <a:t> </a:t>
+            </a:r>
+            <a:r>
+              <a:rPr lang="zh-TW" altLang="en-US" dirty="0" smtClean="0"/>
+              <a:t>設定函式回傳值為</a:t>
+            </a:r>
+            <a:r>
+              <a:rPr lang="en-US" altLang="zh-TW" dirty="0" smtClean="0"/>
+              <a:t>ASCII</a:t>
+            </a:r>
+            <a:r>
+              <a:rPr lang="zh-TW" altLang="en-US" dirty="0" smtClean="0"/>
+              <a:t>碼</a:t>
+            </a:r>
+            <a:r>
+              <a:rPr lang="en-US" altLang="zh-TW" dirty="0" smtClean="0"/>
+              <a:t>(1) </a:t>
+            </a:r>
+            <a:r>
+              <a:rPr lang="zh-TW" altLang="en-US" dirty="0" smtClean="0"/>
+              <a:t>或 鍵號</a:t>
+            </a:r>
+            <a:r>
+              <a:rPr lang="en-US" altLang="zh-TW" dirty="0" smtClean="0"/>
+              <a:t>(0)</a:t>
+            </a:r>
+          </a:p>
+          <a:p>
             <a:endParaRPr lang="en-US" altLang="zh-TW" dirty="0" smtClean="0"/>
           </a:p>
           <a:p>
             <a:r>
               <a:rPr lang="en-US" altLang="zh-TW" dirty="0" smtClean="0"/>
-              <a:t> </a:t>
-            </a:r>
-            <a:r>
-              <a:rPr lang="zh-TW" altLang="en-US" dirty="0" smtClean="0"/>
-              <a:t>設定</a:t>
-            </a:r>
-            <a:r>
-              <a:rPr lang="zh-TW" altLang="en-US" dirty="0" smtClean="0"/>
-              <a:t>函式回傳值為</a:t>
-            </a:r>
-            <a:r>
-              <a:rPr lang="en-US" altLang="zh-TW" dirty="0" smtClean="0"/>
-              <a:t>ASCII</a:t>
-            </a:r>
-            <a:r>
-              <a:rPr lang="zh-TW" altLang="en-US" dirty="0" smtClean="0"/>
-              <a:t>碼</a:t>
-            </a:r>
-            <a:r>
-              <a:rPr lang="en-US" altLang="zh-TW" dirty="0" smtClean="0"/>
-              <a:t>(1) </a:t>
-            </a:r>
-            <a:r>
-              <a:rPr lang="zh-TW" altLang="en-US" dirty="0" smtClean="0"/>
-              <a:t>或 鍵號</a:t>
-            </a:r>
-            <a:r>
-              <a:rPr lang="en-US" altLang="zh-TW" dirty="0" smtClean="0"/>
-              <a:t>(0)</a:t>
-            </a:r>
-          </a:p>
-          <a:p>
-            <a:endParaRPr lang="en-US" altLang="zh-TW" dirty="0" smtClean="0"/>
-          </a:p>
-          <a:p>
-            <a:r>
-              <a:rPr lang="en-US" altLang="zh-TW" dirty="0" smtClean="0"/>
-              <a:t>ASA_KB00_get</a:t>
-            </a:r>
-            <a:r>
-              <a:rPr lang="en-US" altLang="zh-TW" dirty="0" smtClean="0"/>
-              <a:t>(</a:t>
+              <a:t>ASA_KB00_get(</a:t>
             </a:r>
             <a:r>
               <a:rPr lang="zh-TW" altLang="en-US" dirty="0" smtClean="0"/>
@@ -7357,21 +7181,13 @@
             </a:r>
             <a:r>
               <a:rPr lang="en-US" altLang="zh-TW" dirty="0" smtClean="0"/>
-              <a:t>,</a:t>
-            </a:r>
-            <a:r>
-              <a:rPr lang="en-US" altLang="zh-TW" dirty="0" smtClean="0"/>
-              <a:t>100,1,&amp;value);</a:t>
-            </a:r>
-          </a:p>
-          <a:p>
-            <a:r>
-              <a:rPr lang="zh-TW" altLang="en-US" dirty="0" smtClean="0"/>
-              <a:t>將</a:t>
-            </a:r>
-            <a:r>
-              <a:rPr lang="zh-TW" altLang="en-US" dirty="0" smtClean="0"/>
-              <a:t>回傳值存在變數</a:t>
+              <a:t>,100,1,&amp;value);</a:t>
+            </a:r>
+          </a:p>
+          <a:p>
+            <a:r>
+              <a:rPr lang="zh-TW" altLang="en-US" dirty="0" smtClean="0"/>
+              <a:t>將回傳值存在變數</a:t>
             </a:r>
             <a:r>
               <a:rPr lang="en-US" altLang="zh-TW" dirty="0" smtClean="0"/>
@@ -7432,11 +7248,7 @@
             </a:r>
             <a:r>
               <a:rPr lang="zh-TW" altLang="en-US" dirty="0" smtClean="0"/>
-              <a:t>函式</a:t>
-            </a:r>
-            <a:r>
-              <a:rPr lang="zh-TW" altLang="en-US" dirty="0" smtClean="0"/>
-              <a:t>使用範例</a:t>
+              <a:t>函式使用範例</a:t>
             </a:r>
             <a:endParaRPr lang="zh-TW" altLang="en-US" dirty="0"/>
           </a:p>
@@ -7995,26 +7807,14 @@
           <a:p>
             <a:r>
               <a:rPr lang="zh-TW" altLang="en-US" dirty="0" smtClean="0"/>
-              <a:t>將前一題新增</a:t>
-            </a:r>
-            <a:r>
-              <a:rPr lang="zh-TW" altLang="en-US" dirty="0" smtClean="0"/>
-              <a:t>防彈跳功能</a:t>
+              <a:t>將前一題新增防彈跳功能</a:t>
             </a:r>
             <a:endParaRPr lang="en-US" altLang="zh-TW" dirty="0" smtClean="0"/>
           </a:p>
           <a:p>
             <a:r>
               <a:rPr lang="zh-TW" altLang="en-US" dirty="0" smtClean="0"/>
-              <a:t>可以</a:t>
-            </a:r>
-            <a:r>
-              <a:rPr lang="zh-TW" altLang="en-US" dirty="0" smtClean="0"/>
-              <a:t>長按，不放開就只會顯示一次</a:t>
-            </a:r>
-            <a:r>
-              <a:rPr lang="zh-TW" altLang="en-US" dirty="0" smtClean="0"/>
-              <a:t>。</a:t>
+              <a:t>可以長按，不放開就只會顯示一次。</a:t>
             </a:r>
             <a:endParaRPr lang="zh-TW" altLang="en-US" dirty="0"/>
           </a:p>
@@ -8085,19 +7885,7 @@
           <a:p>
             <a:r>
               <a:rPr lang="zh-TW" altLang="en-US" dirty="0" smtClean="0"/>
-              <a:t>將前一題</a:t>
-            </a:r>
-            <a:r>
-              <a:rPr lang="zh-TW" altLang="en-US" dirty="0" smtClean="0"/>
-              <a:t>新增</a:t>
-            </a:r>
-            <a:r>
-              <a:rPr lang="zh-TW" altLang="en-US" dirty="0" smtClean="0"/>
-              <a:t> </a:t>
-            </a:r>
-            <a:r>
-              <a:rPr lang="zh-TW" altLang="en-US" dirty="0" smtClean="0"/>
-              <a:t>按鍵回傳值蓋寫</a:t>
+              <a:t>將前一題新增 按鍵回傳值蓋寫</a:t>
             </a:r>
             <a:endParaRPr lang="en-US" altLang="zh-TW" dirty="0" smtClean="0"/>
           </a:p>
@@ -8108,11 +7896,7 @@
             </a:r>
             <a:r>
               <a:rPr lang="en-US" altLang="zh-TW" dirty="0" smtClean="0"/>
-              <a:t>A</a:t>
-            </a:r>
-            <a:r>
-              <a:rPr lang="en-US" altLang="zh-TW" dirty="0" smtClean="0"/>
-              <a:t>:</a:t>
+              <a:t>A:</a:t>
             </a:r>
             <a:r>
               <a:rPr lang="zh-TW" altLang="en-US" dirty="0" smtClean="0"/>
@@ -8124,11 +7908,7 @@
             </a:r>
             <a:r>
               <a:rPr lang="zh-TW" altLang="en-US" dirty="0" smtClean="0"/>
-              <a:t> 並在</a:t>
-            </a:r>
-            <a:r>
-              <a:rPr lang="zh-TW" altLang="en-US" dirty="0" smtClean="0"/>
-              <a:t>超級終端機上</a:t>
+              <a:t> 並在超級終端機上</a:t>
             </a:r>
             <a:r>
               <a:rPr lang="en-US" altLang="zh-TW" dirty="0" err="1" smtClean="0"/>
@@ -8150,19 +7930,11 @@
             </a:r>
             <a:r>
               <a:rPr lang="en-US" altLang="zh-TW" dirty="0" smtClean="0"/>
-              <a:t>B</a:t>
-            </a:r>
-            <a:r>
-              <a:rPr lang="en-US" altLang="zh-TW" dirty="0" smtClean="0"/>
-              <a:t>:</a:t>
-            </a:r>
-            <a:r>
-              <a:rPr lang="zh-TW" altLang="en-US" dirty="0" smtClean="0"/>
-              <a:t>回</a:t>
-            </a:r>
-            <a:r>
-              <a:rPr lang="zh-TW" altLang="en-US" dirty="0" smtClean="0"/>
-              <a:t>傳</a:t>
+              <a:t>B:</a:t>
+            </a:r>
+            <a:r>
+              <a:rPr lang="zh-TW" altLang="en-US" dirty="0" smtClean="0"/>
+              <a:t>回傳</a:t>
             </a:r>
             <a:r>
               <a:rPr lang="en-US" altLang="zh-TW" dirty="0" smtClean="0"/>
@@ -8170,15 +7942,7 @@
             </a:r>
             <a:r>
               <a:rPr lang="zh-TW" altLang="en-US" dirty="0" smtClean="0"/>
-              <a:t> </a:t>
-            </a:r>
-            <a:r>
-              <a:rPr lang="zh-TW" altLang="en-US" dirty="0" smtClean="0"/>
-              <a:t>並在</a:t>
-            </a:r>
-            <a:r>
-              <a:rPr lang="zh-TW" altLang="en-US" dirty="0" smtClean="0"/>
-              <a:t>超級終端機上</a:t>
+              <a:t> 並在超級終端機上</a:t>
             </a:r>
             <a:r>
               <a:rPr lang="en-US" altLang="zh-TW" dirty="0" err="1" smtClean="0"/>
@@ -8201,27 +7965,11 @@
             </a:r>
             <a:r>
               <a:rPr lang="en-US" altLang="zh-TW" dirty="0" smtClean="0"/>
-              <a:t>C</a:t>
-            </a:r>
-            <a:r>
-              <a:rPr lang="en-US" altLang="zh-TW" dirty="0" smtClean="0"/>
-              <a:t>:</a:t>
-            </a:r>
-            <a:r>
-              <a:rPr lang="zh-TW" altLang="en-US" dirty="0" smtClean="0"/>
-              <a:t>回</a:t>
-            </a:r>
-            <a:r>
-              <a:rPr lang="zh-TW" altLang="en-US" dirty="0" smtClean="0"/>
-              <a:t>傳* </a:t>
-            </a:r>
-            <a:r>
-              <a:rPr lang="zh-TW" altLang="en-US" dirty="0" smtClean="0"/>
-              <a:t>並在</a:t>
-            </a:r>
-            <a:r>
-              <a:rPr lang="zh-TW" altLang="en-US" dirty="0" smtClean="0"/>
-              <a:t>超級終端機上</a:t>
+              <a:t>C:</a:t>
+            </a:r>
+            <a:r>
+              <a:rPr lang="zh-TW" altLang="en-US" dirty="0" smtClean="0"/>
+              <a:t>回傳* 並在超級終端機上</a:t>
             </a:r>
             <a:r>
               <a:rPr lang="en-US" altLang="zh-TW" dirty="0" err="1" smtClean="0"/>
@@ -8244,19 +7992,11 @@
             </a:r>
             <a:r>
               <a:rPr lang="en-US" altLang="zh-TW" dirty="0" smtClean="0"/>
-              <a:t>D</a:t>
-            </a:r>
-            <a:r>
-              <a:rPr lang="en-US" altLang="zh-TW" dirty="0" smtClean="0"/>
-              <a:t>:</a:t>
-            </a:r>
-            <a:r>
-              <a:rPr lang="zh-TW" altLang="en-US" dirty="0" smtClean="0"/>
-              <a:t>回</a:t>
-            </a:r>
-            <a:r>
-              <a:rPr lang="zh-TW" altLang="en-US" dirty="0" smtClean="0"/>
-              <a:t>傳</a:t>
+              <a:t>D:</a:t>
+            </a:r>
+            <a:r>
+              <a:rPr lang="zh-TW" altLang="en-US" dirty="0" smtClean="0"/>
+              <a:t>回傳</a:t>
             </a:r>
             <a:r>
               <a:rPr lang="en-US" altLang="zh-TW" dirty="0" smtClean="0"/>
@@ -8264,15 +8004,7 @@
             </a:r>
             <a:r>
               <a:rPr lang="zh-TW" altLang="en-US" dirty="0" smtClean="0"/>
-              <a:t> </a:t>
-            </a:r>
-            <a:r>
-              <a:rPr lang="zh-TW" altLang="en-US" dirty="0" smtClean="0"/>
-              <a:t>並在</a:t>
-            </a:r>
-            <a:r>
-              <a:rPr lang="zh-TW" altLang="en-US" dirty="0" smtClean="0"/>
-              <a:t>超級終端機上</a:t>
+              <a:t> 並在超級終端機上</a:t>
             </a:r>
             <a:r>
               <a:rPr lang="en-US" altLang="zh-TW" dirty="0" err="1" smtClean="0"/>
@@ -8295,19 +8027,11 @@
             </a:r>
             <a:r>
               <a:rPr lang="en-US" altLang="zh-TW" dirty="0" smtClean="0"/>
-              <a:t>E</a:t>
-            </a:r>
-            <a:r>
-              <a:rPr lang="en-US" altLang="zh-TW" dirty="0" smtClean="0"/>
-              <a:t>:</a:t>
-            </a:r>
-            <a:r>
-              <a:rPr lang="zh-TW" altLang="en-US" dirty="0" smtClean="0"/>
-              <a:t>回</a:t>
-            </a:r>
-            <a:r>
-              <a:rPr lang="zh-TW" altLang="en-US" dirty="0" smtClean="0"/>
-              <a:t>傳</a:t>
+              <a:t>E:</a:t>
+            </a:r>
+            <a:r>
+              <a:rPr lang="zh-TW" altLang="en-US" dirty="0" smtClean="0"/>
+              <a:t>回傳</a:t>
             </a:r>
             <a:r>
               <a:rPr lang="en-US" altLang="zh-TW" dirty="0" smtClean="0"/>
@@ -8315,15 +8039,7 @@
             </a:r>
             <a:r>
               <a:rPr lang="zh-TW" altLang="en-US" dirty="0" smtClean="0"/>
-              <a:t> </a:t>
-            </a:r>
-            <a:r>
-              <a:rPr lang="zh-TW" altLang="en-US" dirty="0" smtClean="0"/>
-              <a:t>並在</a:t>
-            </a:r>
-            <a:r>
-              <a:rPr lang="zh-TW" altLang="en-US" dirty="0" smtClean="0"/>
-              <a:t>超級終端機上</a:t>
+              <a:t> 並在超級終端機上</a:t>
             </a:r>
             <a:r>
               <a:rPr lang="en-US" altLang="zh-TW" dirty="0" err="1" smtClean="0"/>
